--- a/Textbooks/Lene Hau.pptx
+++ b/Textbooks/Lene Hau.pptx
@@ -518,12 +518,9 @@
             </a:r>
             <a:br/>
             <a:r>
-              <a:t># Textbook</a:t>
+              <a:t>Knight, College Physics: A Strategic Approach, 2nd Edition, Chapter 40</a:t>
             </a:r>
             <a:br/>
-            <a:r>
-              <a:t>Knight, College Physics: A Strategic Approach, 2nd Edition, Chapter 40</a:t>
-            </a:r>
             <a:br/>
             <a:r>
               <a:t># Contributors</a:t>
